--- a/docs/LAMDAQuest.pptx
+++ b/docs/LAMDAQuest.pptx
@@ -10,9 +10,12 @@
     <p:sldId id="259" r:id="rId4"/>
     <p:sldId id="260" r:id="rId5"/>
     <p:sldId id="258" r:id="rId6"/>
-    <p:sldId id="261" r:id="rId7"/>
-    <p:sldId id="262" r:id="rId8"/>
-    <p:sldId id="263" r:id="rId9"/>
+    <p:sldId id="266" r:id="rId7"/>
+    <p:sldId id="263" r:id="rId8"/>
+    <p:sldId id="261" r:id="rId9"/>
+    <p:sldId id="265" r:id="rId10"/>
+    <p:sldId id="264" r:id="rId11"/>
+    <p:sldId id="262" r:id="rId12"/>
   </p:sldIdLst>
   <p:sldSz cx="12192000" cy="6858000"/>
   <p:notesSz cx="6858000" cy="9144000"/>
@@ -6723,7 +6726,7 @@
           <a:p>
             <a:fld id="{ECD19FB2-3AAB-4D03-B13A-2960828C78E3}" type="datetimeFigureOut">
               <a:rPr lang="en-US" dirty="0"/>
-              <a:t>11/4/2014</a:t>
+              <a:t>11/15/2014</a:t>
             </a:fld>
             <a:endParaRPr lang="en-US" dirty="0"/>
           </a:p>
@@ -7004,7 +7007,7 @@
           <a:p>
             <a:fld id="{1B80C674-7DFC-42FE-B9CD-82963CDB1557}" type="datetimeFigureOut">
               <a:rPr lang="en-US" dirty="0"/>
-              <a:t>11/4/2014</a:t>
+              <a:t>11/15/2014</a:t>
             </a:fld>
             <a:endParaRPr lang="en-US" dirty="0"/>
           </a:p>
@@ -7195,7 +7198,7 @@
           <a:p>
             <a:fld id="{2076456F-F47D-4F25-8053-2A695DA0CA7D}" type="datetimeFigureOut">
               <a:rPr lang="en-US" dirty="0"/>
-              <a:t>11/4/2014</a:t>
+              <a:t>11/15/2014</a:t>
             </a:fld>
             <a:endParaRPr lang="en-US" dirty="0"/>
           </a:p>
@@ -7455,7 +7458,7 @@
           <a:p>
             <a:fld id="{5D6C7379-69CC-4837-9905-BEBA22830C8A}" type="datetimeFigureOut">
               <a:rPr lang="en-US" dirty="0"/>
-              <a:t>11/4/2014</a:t>
+              <a:t>11/15/2014</a:t>
             </a:fld>
             <a:endParaRPr lang="en-US" dirty="0"/>
           </a:p>
@@ -7880,7 +7883,7 @@
           <a:p>
             <a:fld id="{49EB8B7E-8AEE-4F10-BFEE-C999AD004D36}" type="datetimeFigureOut">
               <a:rPr lang="en-US" dirty="0"/>
-              <a:t>11/4/2014</a:t>
+              <a:t>11/15/2014</a:t>
             </a:fld>
             <a:endParaRPr lang="en-US" dirty="0"/>
           </a:p>
@@ -8425,7 +8428,7 @@
           <a:p>
             <a:fld id="{8668F3F9-58BC-440B-B37B-805B9055EF92}" type="datetimeFigureOut">
               <a:rPr lang="en-US" dirty="0"/>
-              <a:t>11/4/2014</a:t>
+              <a:t>11/15/2014</a:t>
             </a:fld>
             <a:endParaRPr lang="en-US" dirty="0"/>
           </a:p>
@@ -9255,7 +9258,7 @@
           <a:p>
             <a:fld id="{0D5A53AF-48EA-489D-8260-9DCAB666386A}" type="datetimeFigureOut">
               <a:rPr lang="en-US" dirty="0"/>
-              <a:t>11/4/2014</a:t>
+              <a:t>11/15/2014</a:t>
             </a:fld>
             <a:endParaRPr lang="en-US" dirty="0"/>
           </a:p>
@@ -9424,7 +9427,7 @@
           <a:p>
             <a:fld id="{0DED02AE-B9A4-47BD-AF8E-97E16144138B}" type="datetimeFigureOut">
               <a:rPr lang="en-US" dirty="0"/>
-              <a:t>11/4/2014</a:t>
+              <a:t>11/15/2014</a:t>
             </a:fld>
             <a:endParaRPr lang="en-US" dirty="0"/>
           </a:p>
@@ -9603,7 +9606,7 @@
           <a:p>
             <a:fld id="{CF0FD78B-DB02-4362-BCDC-98A55456977C}" type="datetimeFigureOut">
               <a:rPr lang="en-US" dirty="0"/>
-              <a:t>11/4/2014</a:t>
+              <a:t>11/15/2014</a:t>
             </a:fld>
             <a:endParaRPr lang="en-US" dirty="0"/>
           </a:p>
@@ -9772,7 +9775,7 @@
           <a:p>
             <a:fld id="{99916976-5D93-46E4-A98A-FAD63E4D0EA8}" type="datetimeFigureOut">
               <a:rPr lang="en-US" dirty="0"/>
-              <a:t>11/4/2014</a:t>
+              <a:t>11/15/2014</a:t>
             </a:fld>
             <a:endParaRPr lang="en-US" dirty="0"/>
           </a:p>
@@ -10028,7 +10031,7 @@
           <a:p>
             <a:fld id="{0F39F4F5-F4D2-4D2A-AB60-88D37ADCB869}" type="datetimeFigureOut">
               <a:rPr lang="en-US" dirty="0"/>
-              <a:t>11/4/2014</a:t>
+              <a:t>11/15/2014</a:t>
             </a:fld>
             <a:endParaRPr lang="en-US" dirty="0"/>
           </a:p>
@@ -10259,7 +10262,7 @@
           <a:p>
             <a:fld id="{D23BC6CE-6D1E-47E5-8859-F31AC5380EB2}" type="datetimeFigureOut">
               <a:rPr lang="en-US" dirty="0"/>
-              <a:t>11/4/2014</a:t>
+              <a:t>11/15/2014</a:t>
             </a:fld>
             <a:endParaRPr lang="en-US" dirty="0"/>
           </a:p>
@@ -10651,7 +10654,7 @@
           <a:p>
             <a:fld id="{B1B4E7C4-4DA4-404D-9965-B13F2DD7D8BF}" type="datetimeFigureOut">
               <a:rPr lang="en-US" dirty="0"/>
-              <a:t>11/4/2014</a:t>
+              <a:t>11/15/2014</a:t>
             </a:fld>
             <a:endParaRPr lang="en-US" dirty="0"/>
           </a:p>
@@ -10768,7 +10771,7 @@
           <a:p>
             <a:fld id="{476FB7AA-4A53-424F-AD41-70827B6504BA}" type="datetimeFigureOut">
               <a:rPr lang="en-US" dirty="0"/>
-              <a:t>11/4/2014</a:t>
+              <a:t>11/15/2014</a:t>
             </a:fld>
             <a:endParaRPr lang="en-US" dirty="0"/>
           </a:p>
@@ -10862,7 +10865,7 @@
           <a:p>
             <a:fld id="{E7884882-FB12-4BC8-9960-9AD8104D7FAE}" type="datetimeFigureOut">
               <a:rPr lang="en-US" dirty="0"/>
-              <a:t>11/4/2014</a:t>
+              <a:t>11/15/2014</a:t>
             </a:fld>
             <a:endParaRPr lang="en-US" dirty="0"/>
           </a:p>
@@ -11134,7 +11137,7 @@
           <a:p>
             <a:fld id="{F7D1BD23-6E54-4D9D-AD88-A2813C73CC25}" type="datetimeFigureOut">
               <a:rPr lang="en-US" dirty="0"/>
-              <a:t>11/4/2014</a:t>
+              <a:t>11/15/2014</a:t>
             </a:fld>
             <a:endParaRPr lang="en-US" dirty="0"/>
           </a:p>
@@ -11414,7 +11417,7 @@
           <a:p>
             <a:fld id="{1471A834-4F3C-4AF9-9C74-05EC35A0F292}" type="datetimeFigureOut">
               <a:rPr lang="en-US" dirty="0"/>
-              <a:t>11/4/2014</a:t>
+              <a:t>11/15/2014</a:t>
             </a:fld>
             <a:endParaRPr lang="en-US" dirty="0"/>
           </a:p>
@@ -11653,7 +11656,7 @@
           <a:p>
             <a:fld id="{51CF1133-3259-4C45-BABA-5B62D9C6F78D}" type="datetimeFigureOut">
               <a:rPr lang="en-US" dirty="0"/>
-              <a:t>11/4/2014</a:t>
+              <a:t>11/15/2014</a:t>
             </a:fld>
             <a:endParaRPr lang="en-US" dirty="0"/>
           </a:p>
@@ -12270,10 +12273,331 @@
           </a:p>
         </p:txBody>
       </p:sp>
+      <p:sp>
+        <p:nvSpPr>
+          <p:cNvPr id="4" name="TextBox 3"/>
+          <p:cNvSpPr txBox="1"/>
+          <p:nvPr/>
+        </p:nvSpPr>
+        <p:spPr>
+          <a:xfrm>
+            <a:off x="398585" y="6105518"/>
+            <a:ext cx="11594123" cy="369332"/>
+          </a:xfrm>
+          <a:prstGeom prst="rect">
+            <a:avLst/>
+          </a:prstGeom>
+          <a:noFill/>
+        </p:spPr>
+        <p:txBody>
+          <a:bodyPr wrap="square" rtlCol="0">
+            <a:spAutoFit/>
+          </a:bodyPr>
+          <a:lstStyle/>
+          <a:p>
+            <a:r>
+              <a:rPr lang="en-US" dirty="0" smtClean="0"/>
+              <a:t>Kevin Bajaj, </a:t>
+            </a:r>
+            <a:r>
+              <a:rPr lang="en-US" dirty="0" err="1" smtClean="0"/>
+              <a:t>Gred</a:t>
+            </a:r>
+            <a:r>
+              <a:rPr lang="en-US" dirty="0" smtClean="0"/>
+              <a:t> Ervin, Thomas Ford, Sean Hannah, Chris Hogan, Grant Steuart</a:t>
+            </a:r>
+            <a:endParaRPr lang="en-US" dirty="0"/>
+          </a:p>
+        </p:txBody>
+      </p:sp>
     </p:spTree>
     <p:extLst>
       <p:ext uri="{BB962C8B-B14F-4D97-AF65-F5344CB8AC3E}">
         <p14:creationId xmlns:p14="http://schemas.microsoft.com/office/powerpoint/2010/main" val="2735499208"/>
+      </p:ext>
+    </p:extLst>
+  </p:cSld>
+  <p:clrMapOvr>
+    <a:masterClrMapping/>
+  </p:clrMapOvr>
+</p:sld>
+</file>
+
+<file path=ppt/slides/slide10.xml><?xml version="1.0" encoding="utf-8"?>
+<p:sld xmlns:a="http://schemas.openxmlformats.org/drawingml/2006/main" xmlns:r="http://schemas.openxmlformats.org/officeDocument/2006/relationships" xmlns:p="http://schemas.openxmlformats.org/presentationml/2006/main">
+  <p:cSld>
+    <p:spTree>
+      <p:nvGrpSpPr>
+        <p:cNvPr id="1" name=""/>
+        <p:cNvGrpSpPr/>
+        <p:nvPr/>
+      </p:nvGrpSpPr>
+      <p:grpSpPr>
+        <a:xfrm>
+          <a:off x="0" y="0"/>
+          <a:ext cx="0" cy="0"/>
+          <a:chOff x="0" y="0"/>
+          <a:chExt cx="0" cy="0"/>
+        </a:xfrm>
+      </p:grpSpPr>
+      <p:sp>
+        <p:nvSpPr>
+          <p:cNvPr id="2" name="Title 1"/>
+          <p:cNvSpPr>
+            <a:spLocks noGrp="1"/>
+          </p:cNvSpPr>
+          <p:nvPr>
+            <p:ph type="title"/>
+          </p:nvPr>
+        </p:nvSpPr>
+        <p:spPr/>
+        <p:txBody>
+          <a:bodyPr/>
+          <a:lstStyle/>
+          <a:p>
+            <a:r>
+              <a:rPr lang="en-US" dirty="0" smtClean="0"/>
+              <a:t>Game Mechanics – Maps and Levels</a:t>
+            </a:r>
+            <a:endParaRPr lang="en-US" dirty="0"/>
+          </a:p>
+        </p:txBody>
+      </p:sp>
+      <p:sp>
+        <p:nvSpPr>
+          <p:cNvPr id="3" name="Content Placeholder 2"/>
+          <p:cNvSpPr>
+            <a:spLocks noGrp="1"/>
+          </p:cNvSpPr>
+          <p:nvPr>
+            <p:ph idx="1"/>
+          </p:nvPr>
+        </p:nvSpPr>
+        <p:spPr/>
+        <p:txBody>
+          <a:bodyPr/>
+          <a:lstStyle/>
+          <a:p>
+            <a:r>
+              <a:rPr lang="en-US" dirty="0"/>
+              <a:t>Procedurally generated tile </a:t>
+            </a:r>
+            <a:r>
+              <a:rPr lang="en-US" dirty="0" smtClean="0"/>
+              <a:t>maps</a:t>
+            </a:r>
+          </a:p>
+          <a:p>
+            <a:r>
+              <a:rPr lang="en-US" dirty="0" smtClean="0"/>
+              <a:t>First semester goal:  Sandbox world</a:t>
+            </a:r>
+            <a:endParaRPr lang="en-US" dirty="0"/>
+          </a:p>
+          <a:p>
+            <a:r>
+              <a:rPr lang="en-US" dirty="0" smtClean="0"/>
+              <a:t>Second semester goal:  Level design (dungeons)</a:t>
+            </a:r>
+            <a:endParaRPr lang="en-US" dirty="0"/>
+          </a:p>
+          <a:p>
+            <a:endParaRPr lang="en-US" dirty="0"/>
+          </a:p>
+        </p:txBody>
+      </p:sp>
+    </p:spTree>
+    <p:extLst>
+      <p:ext uri="{BB962C8B-B14F-4D97-AF65-F5344CB8AC3E}">
+        <p14:creationId xmlns:p14="http://schemas.microsoft.com/office/powerpoint/2010/main" val="2998813624"/>
+      </p:ext>
+    </p:extLst>
+  </p:cSld>
+  <p:clrMapOvr>
+    <a:masterClrMapping/>
+  </p:clrMapOvr>
+</p:sld>
+</file>
+
+<file path=ppt/slides/slide11.xml><?xml version="1.0" encoding="utf-8"?>
+<p:sld xmlns:a="http://schemas.openxmlformats.org/drawingml/2006/main" xmlns:r="http://schemas.openxmlformats.org/officeDocument/2006/relationships" xmlns:p="http://schemas.openxmlformats.org/presentationml/2006/main">
+  <p:cSld>
+    <p:spTree>
+      <p:nvGrpSpPr>
+        <p:cNvPr id="1" name=""/>
+        <p:cNvGrpSpPr/>
+        <p:nvPr/>
+      </p:nvGrpSpPr>
+      <p:grpSpPr>
+        <a:xfrm>
+          <a:off x="0" y="0"/>
+          <a:ext cx="0" cy="0"/>
+          <a:chOff x="0" y="0"/>
+          <a:chExt cx="0" cy="0"/>
+        </a:xfrm>
+      </p:grpSpPr>
+      <p:sp>
+        <p:nvSpPr>
+          <p:cNvPr id="2" name="Title 1"/>
+          <p:cNvSpPr>
+            <a:spLocks noGrp="1"/>
+          </p:cNvSpPr>
+          <p:nvPr>
+            <p:ph type="title"/>
+          </p:nvPr>
+        </p:nvSpPr>
+        <p:spPr/>
+        <p:txBody>
+          <a:bodyPr/>
+          <a:lstStyle/>
+          <a:p>
+            <a:r>
+              <a:rPr lang="en-US" dirty="0" smtClean="0"/>
+              <a:t>Timeline</a:t>
+            </a:r>
+            <a:endParaRPr lang="en-US" dirty="0"/>
+          </a:p>
+        </p:txBody>
+      </p:sp>
+      <p:sp>
+        <p:nvSpPr>
+          <p:cNvPr id="3" name="Content Placeholder 2"/>
+          <p:cNvSpPr>
+            <a:spLocks noGrp="1"/>
+          </p:cNvSpPr>
+          <p:nvPr>
+            <p:ph idx="1"/>
+          </p:nvPr>
+        </p:nvSpPr>
+        <p:spPr>
+          <a:xfrm>
+            <a:off x="750277" y="1825624"/>
+            <a:ext cx="10855569" cy="4551729"/>
+          </a:xfrm>
+        </p:spPr>
+        <p:txBody>
+          <a:bodyPr>
+            <a:normAutofit lnSpcReduction="10000"/>
+          </a:bodyPr>
+          <a:lstStyle/>
+          <a:p>
+            <a:r>
+              <a:rPr lang="en-US" dirty="0" smtClean="0"/>
+              <a:t>This Semester</a:t>
+            </a:r>
+          </a:p>
+          <a:p>
+            <a:pPr lvl="1"/>
+            <a:r>
+              <a:rPr lang="en-US" dirty="0" smtClean="0"/>
+              <a:t>Write and test scripting language and </a:t>
+            </a:r>
+            <a:r>
+              <a:rPr lang="en-US" dirty="0" smtClean="0"/>
+              <a:t>compiler</a:t>
+            </a:r>
+            <a:endParaRPr lang="en-US" dirty="0" smtClean="0"/>
+          </a:p>
+          <a:p>
+            <a:pPr lvl="1"/>
+            <a:r>
+              <a:rPr lang="en-US" dirty="0" smtClean="0"/>
+              <a:t>Write </a:t>
+            </a:r>
+            <a:r>
+              <a:rPr lang="en-US" dirty="0" smtClean="0"/>
+              <a:t>base </a:t>
+            </a:r>
+            <a:r>
+              <a:rPr lang="en-US" dirty="0" smtClean="0"/>
+              <a:t>game </a:t>
+            </a:r>
+            <a:r>
+              <a:rPr lang="en-US" dirty="0" smtClean="0"/>
+              <a:t>shell with tile </a:t>
+            </a:r>
+            <a:r>
+              <a:rPr lang="en-US" dirty="0" smtClean="0"/>
+              <a:t>maps and </a:t>
+            </a:r>
+            <a:r>
+              <a:rPr lang="en-US" dirty="0" smtClean="0"/>
+              <a:t>collisions </a:t>
+            </a:r>
+            <a:endParaRPr lang="en-US" dirty="0" smtClean="0"/>
+          </a:p>
+          <a:p>
+            <a:pPr lvl="1"/>
+            <a:r>
+              <a:rPr lang="en-US" dirty="0" smtClean="0"/>
+              <a:t>Write map generator</a:t>
+            </a:r>
+          </a:p>
+          <a:p>
+            <a:pPr lvl="1"/>
+            <a:r>
+              <a:rPr lang="en-US" dirty="0" smtClean="0"/>
+              <a:t>Write framework for injecting scripts into game </a:t>
+            </a:r>
+            <a:r>
+              <a:rPr lang="en-US" dirty="0" smtClean="0"/>
+              <a:t>objects</a:t>
+            </a:r>
+            <a:endParaRPr lang="en-US" dirty="0"/>
+          </a:p>
+          <a:p>
+            <a:r>
+              <a:rPr lang="en-US" dirty="0" smtClean="0"/>
+              <a:t>Next Semester</a:t>
+            </a:r>
+          </a:p>
+          <a:p>
+            <a:pPr lvl="1"/>
+            <a:r>
+              <a:rPr lang="en-US" dirty="0" smtClean="0"/>
+              <a:t>Add elements to </a:t>
+            </a:r>
+            <a:r>
+              <a:rPr lang="en-US" dirty="0" err="1" smtClean="0"/>
+              <a:t>HackScript</a:t>
+            </a:r>
+            <a:endParaRPr lang="en-US" dirty="0" smtClean="0"/>
+          </a:p>
+          <a:p>
+            <a:pPr lvl="1"/>
+            <a:r>
+              <a:rPr lang="en-US" dirty="0" smtClean="0"/>
+              <a:t>Add art, enemies, items, powers, etc.</a:t>
+            </a:r>
+          </a:p>
+          <a:p>
+            <a:pPr lvl="1"/>
+            <a:r>
+              <a:rPr lang="en-US" dirty="0" smtClean="0"/>
+              <a:t>Add structured levels in the form of dungeons</a:t>
+            </a:r>
+            <a:endParaRPr lang="en-US" dirty="0" smtClean="0"/>
+          </a:p>
+          <a:p>
+            <a:r>
+              <a:rPr lang="en-US" dirty="0" smtClean="0"/>
+              <a:t>Time Permitting</a:t>
+            </a:r>
+          </a:p>
+          <a:p>
+            <a:pPr lvl="1"/>
+            <a:r>
+              <a:rPr lang="en-US" dirty="0" smtClean="0"/>
+              <a:t>2 player “Scripting Skirmish” mode</a:t>
+            </a:r>
+          </a:p>
+        </p:txBody>
+      </p:sp>
+    </p:spTree>
+    <p:extLst>
+      <p:ext uri="{BB962C8B-B14F-4D97-AF65-F5344CB8AC3E}">
+        <p14:creationId xmlns:p14="http://schemas.microsoft.com/office/powerpoint/2010/main" val="2701529280"/>
       </p:ext>
     </p:extLst>
   </p:cSld>
@@ -12348,33 +12672,27 @@
             </a:r>
             <a:r>
               <a:rPr lang="en-US" dirty="0" smtClean="0"/>
-              <a:t>L.A.M.D.A Quest is a 2D </a:t>
+              <a:t>L.A.M.D.A Quest is a </a:t>
+            </a:r>
+            <a:r>
+              <a:rPr lang="en-US" dirty="0" smtClean="0"/>
+              <a:t>2D, browser-based, </a:t>
             </a:r>
             <a:r>
               <a:rPr lang="en-US" dirty="0"/>
-              <a:t>adventure game featuring a custom-built</a:t>
-            </a:r>
-          </a:p>
-          <a:p>
-            <a:pPr marL="0" indent="0">
-              <a:buNone/>
-            </a:pPr>
+              <a:t>adventure game featuring a </a:t>
+            </a:r>
             <a:r>
               <a:rPr lang="en-US" dirty="0" smtClean="0"/>
-              <a:t>    programming </a:t>
+              <a:t>custom-built programming </a:t>
             </a:r>
             <a:r>
               <a:rPr lang="en-US" dirty="0"/>
-              <a:t>language that teaches players how to write small</a:t>
-            </a:r>
-          </a:p>
-          <a:p>
-            <a:pPr marL="0" indent="0">
-              <a:buNone/>
-            </a:pPr>
+              <a:t>language that teaches players how to write </a:t>
+            </a:r>
             <a:r>
               <a:rPr lang="en-US" dirty="0" smtClean="0"/>
-              <a:t>    programs </a:t>
+              <a:t>small programs </a:t>
             </a:r>
             <a:r>
               <a:rPr lang="en-US" dirty="0"/>
@@ -12386,29 +12704,19 @@
             </a:r>
             <a:r>
               <a:rPr lang="en-US" dirty="0"/>
-              <a:t>the game, allowing for</a:t>
-            </a:r>
-          </a:p>
-          <a:p>
-            <a:pPr marL="0" indent="0">
-              <a:buNone/>
-            </a:pPr>
+              <a:t>the game, allowing </a:t>
+            </a:r>
             <a:r>
               <a:rPr lang="en-US" dirty="0" smtClean="0"/>
-              <a:t>    a </a:t>
+              <a:t>for a </a:t>
             </a:r>
             <a:r>
               <a:rPr lang="en-US" dirty="0"/>
-              <a:t>customizable, challenging, and completely original gaming</a:t>
-            </a:r>
-          </a:p>
-          <a:p>
-            <a:pPr marL="0" indent="0">
-              <a:buNone/>
-            </a:pPr>
+              <a:t>customizable, challenging, and completely original </a:t>
+            </a:r>
             <a:r>
               <a:rPr lang="en-US" dirty="0" smtClean="0"/>
-              <a:t>    experience</a:t>
+              <a:t>gaming experience</a:t>
             </a:r>
             <a:r>
               <a:rPr lang="en-US" dirty="0"/>
@@ -12550,7 +12858,11 @@
           <a:p>
             <a:r>
               <a:rPr lang="en-US" dirty="0" smtClean="0"/>
-              <a:t>Creating a Mod with the L.A.M.D.A engine</a:t>
+              <a:t>Creating a Mod with the L.A.M.D.A </a:t>
+            </a:r>
+            <a:r>
+              <a:rPr lang="en-US" dirty="0" smtClean="0"/>
+              <a:t>Engine</a:t>
             </a:r>
             <a:endParaRPr lang="en-US" dirty="0"/>
           </a:p>
@@ -12989,120 +13301,57 @@
             <p:ph type="title"/>
           </p:nvPr>
         </p:nvSpPr>
-        <p:spPr/>
+        <p:spPr>
+          <a:xfrm>
+            <a:off x="533400" y="-162413"/>
+            <a:ext cx="10515600" cy="1325563"/>
+          </a:xfrm>
+        </p:spPr>
         <p:txBody>
           <a:bodyPr/>
           <a:lstStyle/>
           <a:p>
             <a:r>
               <a:rPr lang="en-US" dirty="0" smtClean="0"/>
-              <a:t>Game Mechanics</a:t>
+              <a:t>Scripting Architecture</a:t>
             </a:r>
             <a:endParaRPr lang="en-US" dirty="0"/>
           </a:p>
         </p:txBody>
       </p:sp>
-      <p:sp>
-        <p:nvSpPr>
-          <p:cNvPr id="3" name="Content Placeholder 2"/>
-          <p:cNvSpPr>
-            <a:spLocks noGrp="1"/>
-          </p:cNvSpPr>
+      <p:pic>
+        <p:nvPicPr>
+          <p:cNvPr id="6" name="Content Placeholder 5"/>
+          <p:cNvPicPr>
+            <a:picLocks noGrp="1" noChangeAspect="1"/>
+          </p:cNvPicPr>
           <p:nvPr>
             <p:ph idx="1"/>
           </p:nvPr>
-        </p:nvSpPr>
+        </p:nvPicPr>
+        <p:blipFill>
+          <a:blip r:embed="rId2">
+            <a:extLst>
+              <a:ext uri="{28A0092B-C50C-407E-A947-70E740481C1C}">
+                <a14:useLocalDpi xmlns:a14="http://schemas.microsoft.com/office/drawing/2010/main" val="0"/>
+              </a:ext>
+            </a:extLst>
+          </a:blip>
+          <a:stretch>
+            <a:fillRect/>
+          </a:stretch>
+        </p:blipFill>
         <p:spPr>
           <a:xfrm>
-            <a:off x="1120000" y="1518557"/>
-            <a:ext cx="10233800" cy="5143500"/>
+            <a:off x="1887415" y="890954"/>
+            <a:ext cx="8241323" cy="5814646"/>
           </a:xfrm>
         </p:spPr>
-        <p:txBody>
-          <a:bodyPr>
-            <a:normAutofit/>
-          </a:bodyPr>
-          <a:lstStyle/>
-          <a:p>
-            <a:r>
-              <a:rPr lang="en-US" dirty="0" smtClean="0"/>
-              <a:t>Sandbox world -- encourages creativity and exploration</a:t>
-            </a:r>
-          </a:p>
-          <a:p>
-            <a:r>
-              <a:rPr lang="en-US" dirty="0" smtClean="0"/>
-              <a:t>Randomly spawning enemies</a:t>
-            </a:r>
-          </a:p>
-          <a:p>
-            <a:r>
-              <a:rPr lang="en-US" dirty="0" smtClean="0"/>
-              <a:t>Procedurally generated world</a:t>
-            </a:r>
-          </a:p>
-          <a:p>
-            <a:r>
-              <a:rPr lang="en-US" dirty="0"/>
-              <a:t>Programmable companions</a:t>
-            </a:r>
-          </a:p>
-          <a:p>
-            <a:pPr lvl="0">
-              <a:buSzPct val="45000"/>
-              <a:buFont typeface="StarSymbol"/>
-              <a:buChar char="●"/>
-            </a:pPr>
-            <a:r>
-              <a:rPr lang="en-US" dirty="0"/>
-              <a:t>Programmable attacks, spells, and weapons</a:t>
-            </a:r>
-          </a:p>
-          <a:p>
-            <a:pPr lvl="0">
-              <a:buSzPct val="45000"/>
-              <a:buFont typeface="StarSymbol"/>
-              <a:buChar char="●"/>
-            </a:pPr>
-            <a:r>
-              <a:rPr lang="en-US" dirty="0"/>
-              <a:t>Can program enemies </a:t>
-            </a:r>
-            <a:r>
-              <a:rPr lang="en-US" dirty="0" smtClean="0"/>
-              <a:t>that are sufficiently weaker than you</a:t>
-            </a:r>
-            <a:endParaRPr lang="en-US" dirty="0"/>
-          </a:p>
-          <a:p>
-            <a:r>
-              <a:rPr lang="en-US" dirty="0" smtClean="0"/>
-              <a:t>Progressing through the game opens up more private functions and properties</a:t>
-            </a:r>
-          </a:p>
-          <a:p>
-            <a:r>
-              <a:rPr lang="en-US" smtClean="0"/>
-              <a:t>Enemies drop </a:t>
-            </a:r>
-            <a:r>
-              <a:rPr lang="en-US" dirty="0" smtClean="0"/>
-              <a:t>hard drives that unlock functions and syntax</a:t>
-            </a:r>
-          </a:p>
-          <a:p>
-            <a:r>
-              <a:rPr lang="en-US" dirty="0" smtClean="0"/>
-              <a:t>Discourage misuse of programming power through point system</a:t>
-            </a:r>
-            <a:endParaRPr lang="en-US" dirty="0"/>
-          </a:p>
-        </p:txBody>
-      </p:sp>
+      </p:pic>
     </p:spTree>
     <p:extLst>
       <p:ext uri="{BB962C8B-B14F-4D97-AF65-F5344CB8AC3E}">
-        <p14:creationId xmlns:p14="http://schemas.microsoft.com/office/powerpoint/2010/main" val="1019488697"/>
+        <p14:creationId xmlns:p14="http://schemas.microsoft.com/office/powerpoint/2010/main" val="1041679845"/>
       </p:ext>
     </p:extLst>
   </p:cSld>
@@ -13146,109 +13395,45 @@
           <a:p>
             <a:r>
               <a:rPr lang="en-US" dirty="0" smtClean="0"/>
-              <a:t>Timeline</a:t>
+              <a:t>Example Screenshot</a:t>
             </a:r>
             <a:endParaRPr lang="en-US" dirty="0"/>
           </a:p>
         </p:txBody>
       </p:sp>
-      <p:sp>
-        <p:nvSpPr>
-          <p:cNvPr id="3" name="Content Placeholder 2"/>
-          <p:cNvSpPr>
-            <a:spLocks noGrp="1"/>
-          </p:cNvSpPr>
+      <p:pic>
+        <p:nvPicPr>
+          <p:cNvPr id="4" name="Content Placeholder 3"/>
+          <p:cNvPicPr>
+            <a:picLocks noGrp="1" noChangeAspect="1"/>
+          </p:cNvPicPr>
           <p:nvPr>
             <p:ph idx="1"/>
           </p:nvPr>
-        </p:nvSpPr>
-        <p:spPr/>
-        <p:txBody>
-          <a:bodyPr>
-            <a:normAutofit lnSpcReduction="10000"/>
-          </a:bodyPr>
-          <a:lstStyle/>
-          <a:p>
-            <a:r>
-              <a:rPr lang="en-US" dirty="0" smtClean="0"/>
-              <a:t>This Semester</a:t>
-            </a:r>
-          </a:p>
-          <a:p>
-            <a:pPr lvl="1"/>
-            <a:r>
-              <a:rPr lang="en-US" dirty="0" smtClean="0"/>
-              <a:t>Write and test scripting language and compiler</a:t>
-            </a:r>
-          </a:p>
-          <a:p>
-            <a:pPr lvl="1"/>
-            <a:r>
-              <a:rPr lang="en-US" dirty="0" smtClean="0"/>
-              <a:t>Write basic game with exploration of tile maps and collisions</a:t>
-            </a:r>
-          </a:p>
-          <a:p>
-            <a:pPr lvl="1"/>
-            <a:r>
-              <a:rPr lang="en-US" dirty="0" smtClean="0"/>
-              <a:t>Write map generator</a:t>
-            </a:r>
-          </a:p>
-          <a:p>
-            <a:pPr lvl="1"/>
-            <a:r>
-              <a:rPr lang="en-US" dirty="0" smtClean="0"/>
-              <a:t>Write framework for injecting scripts into game objects</a:t>
-            </a:r>
-            <a:endParaRPr lang="en-US" dirty="0"/>
-          </a:p>
-          <a:p>
-            <a:r>
-              <a:rPr lang="en-US" dirty="0" smtClean="0"/>
-              <a:t>Next Semester</a:t>
-            </a:r>
-          </a:p>
-          <a:p>
-            <a:pPr lvl="1"/>
-            <a:r>
-              <a:rPr lang="en-US" dirty="0" smtClean="0"/>
-              <a:t>Debug</a:t>
-            </a:r>
-          </a:p>
-          <a:p>
-            <a:pPr lvl="1"/>
-            <a:r>
-              <a:rPr lang="en-US" dirty="0" smtClean="0"/>
-              <a:t>Add art, enemies, items, powers, etc.</a:t>
-            </a:r>
-          </a:p>
-          <a:p>
-            <a:pPr lvl="1"/>
-            <a:r>
-              <a:rPr lang="en-US" dirty="0" smtClean="0"/>
-              <a:t>Add quest mode with specific goals</a:t>
-            </a:r>
-          </a:p>
-          <a:p>
-            <a:r>
-              <a:rPr lang="en-US" dirty="0" smtClean="0"/>
-              <a:t>Time Permitting</a:t>
-            </a:r>
-          </a:p>
-          <a:p>
-            <a:pPr lvl="1"/>
-            <a:r>
-              <a:rPr lang="en-US" dirty="0" smtClean="0"/>
-              <a:t>2 player “Scripting Skirmish” mode</a:t>
-            </a:r>
-          </a:p>
-        </p:txBody>
-      </p:sp>
+        </p:nvPicPr>
+        <p:blipFill>
+          <a:blip r:embed="rId2">
+            <a:extLst>
+              <a:ext uri="{28A0092B-C50C-407E-A947-70E740481C1C}">
+                <a14:useLocalDpi xmlns:a14="http://schemas.microsoft.com/office/drawing/2010/main" val="0"/>
+              </a:ext>
+            </a:extLst>
+          </a:blip>
+          <a:stretch>
+            <a:fillRect/>
+          </a:stretch>
+        </p:blipFill>
+        <p:spPr>
+          <a:xfrm>
+            <a:off x="1384300" y="1867694"/>
+            <a:ext cx="9705975" cy="4267200"/>
+          </a:xfrm>
+        </p:spPr>
+      </p:pic>
     </p:spTree>
     <p:extLst>
       <p:ext uri="{BB962C8B-B14F-4D97-AF65-F5344CB8AC3E}">
-        <p14:creationId xmlns:p14="http://schemas.microsoft.com/office/powerpoint/2010/main" val="2701529280"/>
+        <p14:creationId xmlns:p14="http://schemas.microsoft.com/office/powerpoint/2010/main" val="4016782777"/>
       </p:ext>
     </p:extLst>
   </p:cSld>
@@ -13292,45 +13477,178 @@
           <a:p>
             <a:r>
               <a:rPr lang="en-US" dirty="0" smtClean="0"/>
-              <a:t>Example Screenshot</a:t>
+              <a:t>Game </a:t>
+            </a:r>
+            <a:r>
+              <a:rPr lang="en-US" dirty="0" smtClean="0"/>
+              <a:t>Mechanics - Progression</a:t>
             </a:r>
             <a:endParaRPr lang="en-US" dirty="0"/>
           </a:p>
         </p:txBody>
       </p:sp>
-      <p:pic>
-        <p:nvPicPr>
-          <p:cNvPr id="4" name="Content Placeholder 3"/>
-          <p:cNvPicPr>
-            <a:picLocks noGrp="1" noChangeAspect="1"/>
-          </p:cNvPicPr>
+      <p:sp>
+        <p:nvSpPr>
+          <p:cNvPr id="3" name="Content Placeholder 2"/>
+          <p:cNvSpPr>
+            <a:spLocks noGrp="1"/>
+          </p:cNvSpPr>
           <p:nvPr>
             <p:ph idx="1"/>
           </p:nvPr>
-        </p:nvPicPr>
-        <p:blipFill>
-          <a:blip r:embed="rId2">
-            <a:extLst>
-              <a:ext uri="{28A0092B-C50C-407E-A947-70E740481C1C}">
-                <a14:useLocalDpi xmlns:a14="http://schemas.microsoft.com/office/drawing/2010/main" val="0"/>
-              </a:ext>
-            </a:extLst>
-          </a:blip>
-          <a:stretch>
-            <a:fillRect/>
-          </a:stretch>
-        </p:blipFill>
+        </p:nvSpPr>
         <p:spPr>
           <a:xfrm>
-            <a:off x="1384300" y="1867694"/>
-            <a:ext cx="9705975" cy="4267200"/>
+            <a:off x="1120000" y="1518557"/>
+            <a:ext cx="10233800" cy="5143500"/>
           </a:xfrm>
         </p:spPr>
-      </p:pic>
+        <p:txBody>
+          <a:bodyPr>
+            <a:normAutofit/>
+          </a:bodyPr>
+          <a:lstStyle/>
+          <a:p>
+            <a:pPr lvl="0">
+              <a:buSzPct val="45000"/>
+              <a:buFont typeface="StarSymbol"/>
+              <a:buChar char="●"/>
+            </a:pPr>
+            <a:r>
+              <a:rPr lang="en-US" dirty="0" smtClean="0"/>
+              <a:t>Can </a:t>
+            </a:r>
+            <a:r>
+              <a:rPr lang="en-US" dirty="0"/>
+              <a:t>program enemies </a:t>
+            </a:r>
+            <a:r>
+              <a:rPr lang="en-US" dirty="0" smtClean="0"/>
+              <a:t>that are sufficiently weaker than you</a:t>
+            </a:r>
+            <a:endParaRPr lang="en-US" dirty="0"/>
+          </a:p>
+          <a:p>
+            <a:r>
+              <a:rPr lang="en-US" dirty="0" smtClean="0"/>
+              <a:t>Progressing through the game opens up more private functions and properties</a:t>
+            </a:r>
+          </a:p>
+          <a:p>
+            <a:r>
+              <a:rPr lang="en-US" dirty="0" smtClean="0"/>
+              <a:t>Enemies drop hard drives that unlock functions and syntax</a:t>
+            </a:r>
+          </a:p>
+          <a:p>
+            <a:r>
+              <a:rPr lang="en-US" dirty="0" smtClean="0"/>
+              <a:t>Discourage misuse of programming power through point system</a:t>
+            </a:r>
+            <a:endParaRPr lang="en-US" dirty="0"/>
+          </a:p>
+        </p:txBody>
+      </p:sp>
     </p:spTree>
     <p:extLst>
       <p:ext uri="{BB962C8B-B14F-4D97-AF65-F5344CB8AC3E}">
-        <p14:creationId xmlns:p14="http://schemas.microsoft.com/office/powerpoint/2010/main" val="4016782777"/>
+        <p14:creationId xmlns:p14="http://schemas.microsoft.com/office/powerpoint/2010/main" val="1019488697"/>
+      </p:ext>
+    </p:extLst>
+  </p:cSld>
+  <p:clrMapOvr>
+    <a:masterClrMapping/>
+  </p:clrMapOvr>
+</p:sld>
+</file>
+
+<file path=ppt/slides/slide9.xml><?xml version="1.0" encoding="utf-8"?>
+<p:sld xmlns:a="http://schemas.openxmlformats.org/drawingml/2006/main" xmlns:r="http://schemas.openxmlformats.org/officeDocument/2006/relationships" xmlns:p="http://schemas.openxmlformats.org/presentationml/2006/main">
+  <p:cSld>
+    <p:spTree>
+      <p:nvGrpSpPr>
+        <p:cNvPr id="1" name=""/>
+        <p:cNvGrpSpPr/>
+        <p:nvPr/>
+      </p:nvGrpSpPr>
+      <p:grpSpPr>
+        <a:xfrm>
+          <a:off x="0" y="0"/>
+          <a:ext cx="0" cy="0"/>
+          <a:chOff x="0" y="0"/>
+          <a:chExt cx="0" cy="0"/>
+        </a:xfrm>
+      </p:grpSpPr>
+      <p:sp>
+        <p:nvSpPr>
+          <p:cNvPr id="2" name="Title 1"/>
+          <p:cNvSpPr>
+            <a:spLocks noGrp="1"/>
+          </p:cNvSpPr>
+          <p:nvPr>
+            <p:ph type="title"/>
+          </p:nvPr>
+        </p:nvSpPr>
+        <p:spPr/>
+        <p:txBody>
+          <a:bodyPr/>
+          <a:lstStyle/>
+          <a:p>
+            <a:r>
+              <a:rPr lang="en-US" dirty="0" smtClean="0"/>
+              <a:t>Game Mechanics – Units and Items</a:t>
+            </a:r>
+            <a:endParaRPr lang="en-US" dirty="0"/>
+          </a:p>
+        </p:txBody>
+      </p:sp>
+      <p:sp>
+        <p:nvSpPr>
+          <p:cNvPr id="3" name="Content Placeholder 2"/>
+          <p:cNvSpPr>
+            <a:spLocks noGrp="1"/>
+          </p:cNvSpPr>
+          <p:nvPr>
+            <p:ph idx="1"/>
+          </p:nvPr>
+        </p:nvSpPr>
+        <p:spPr/>
+        <p:txBody>
+          <a:bodyPr/>
+          <a:lstStyle/>
+          <a:p>
+            <a:r>
+              <a:rPr lang="en-US" dirty="0" smtClean="0"/>
+              <a:t>Interesting enemy units</a:t>
+            </a:r>
+            <a:endParaRPr lang="en-US" dirty="0"/>
+          </a:p>
+          <a:p>
+            <a:r>
+              <a:rPr lang="en-US" dirty="0"/>
+              <a:t>Programmable companions</a:t>
+            </a:r>
+          </a:p>
+          <a:p>
+            <a:pPr lvl="0">
+              <a:buSzPct val="45000"/>
+              <a:buFont typeface="StarSymbol"/>
+              <a:buChar char="●"/>
+            </a:pPr>
+            <a:r>
+              <a:rPr lang="en-US" dirty="0"/>
+              <a:t>Programmable attacks, spells, and weapons</a:t>
+            </a:r>
+          </a:p>
+          <a:p>
+            <a:endParaRPr lang="en-US" dirty="0"/>
+          </a:p>
+        </p:txBody>
+      </p:sp>
+    </p:spTree>
+    <p:extLst>
+      <p:ext uri="{BB962C8B-B14F-4D97-AF65-F5344CB8AC3E}">
+        <p14:creationId xmlns:p14="http://schemas.microsoft.com/office/powerpoint/2010/main" val="2817074536"/>
       </p:ext>
     </p:extLst>
   </p:cSld>
